--- a/RUAN MINGYANG1026.pptx
+++ b/RUAN MINGYANG1026.pptx
@@ -2174,7 +2174,7 @@
           <a:p>
             <a:fld id="{20305227-18F9-4A03-8D8F-BE85A99B86E1}" type="datetimeFigureOut">
               <a:rPr kumimoji="1" lang="ja-JP" altLang="en-US" smtClean="0"/>
-              <a:t>2023/10/26</a:t>
+              <a:t>2023/10/27</a:t>
             </a:fld>
             <a:endParaRPr kumimoji="1" lang="ja-JP" altLang="en-US"/>
           </a:p>
@@ -2620,7 +2620,7 @@
           <a:p>
             <a:fld id="{783D6DAF-3DB9-4E72-A199-CAD930CD53FB}" type="datetimeFigureOut">
               <a:rPr kumimoji="1" lang="ja-JP" altLang="en-US" smtClean="0"/>
-              <a:t>2023/10/26</a:t>
+              <a:t>2023/10/27</a:t>
             </a:fld>
             <a:endParaRPr kumimoji="1" lang="ja-JP" altLang="en-US"/>
           </a:p>
@@ -2850,7 +2850,7 @@
           <a:p>
             <a:fld id="{783D6DAF-3DB9-4E72-A199-CAD930CD53FB}" type="datetimeFigureOut">
               <a:rPr kumimoji="1" lang="ja-JP" altLang="en-US" smtClean="0"/>
-              <a:t>2023/10/26</a:t>
+              <a:t>2023/10/27</a:t>
             </a:fld>
             <a:endParaRPr kumimoji="1" lang="ja-JP" altLang="en-US"/>
           </a:p>
@@ -3090,7 +3090,7 @@
           <a:p>
             <a:fld id="{783D6DAF-3DB9-4E72-A199-CAD930CD53FB}" type="datetimeFigureOut">
               <a:rPr kumimoji="1" lang="ja-JP" altLang="en-US" smtClean="0"/>
-              <a:t>2023/10/26</a:t>
+              <a:t>2023/10/27</a:t>
             </a:fld>
             <a:endParaRPr kumimoji="1" lang="ja-JP" altLang="en-US"/>
           </a:p>
@@ -3320,7 +3320,7 @@
           <a:p>
             <a:fld id="{783D6DAF-3DB9-4E72-A199-CAD930CD53FB}" type="datetimeFigureOut">
               <a:rPr kumimoji="1" lang="ja-JP" altLang="en-US" smtClean="0"/>
-              <a:t>2023/10/26</a:t>
+              <a:t>2023/10/27</a:t>
             </a:fld>
             <a:endParaRPr kumimoji="1" lang="ja-JP" altLang="en-US"/>
           </a:p>
@@ -3595,7 +3595,7 @@
           <a:p>
             <a:fld id="{783D6DAF-3DB9-4E72-A199-CAD930CD53FB}" type="datetimeFigureOut">
               <a:rPr kumimoji="1" lang="ja-JP" altLang="en-US" smtClean="0"/>
-              <a:t>2023/10/26</a:t>
+              <a:t>2023/10/27</a:t>
             </a:fld>
             <a:endParaRPr kumimoji="1" lang="ja-JP" altLang="en-US"/>
           </a:p>
@@ -3924,7 +3924,7 @@
           <a:p>
             <a:fld id="{783D6DAF-3DB9-4E72-A199-CAD930CD53FB}" type="datetimeFigureOut">
               <a:rPr kumimoji="1" lang="ja-JP" altLang="en-US" smtClean="0"/>
-              <a:t>2023/10/26</a:t>
+              <a:t>2023/10/27</a:t>
             </a:fld>
             <a:endParaRPr kumimoji="1" lang="ja-JP" altLang="en-US"/>
           </a:p>
@@ -4400,7 +4400,7 @@
           <a:p>
             <a:fld id="{783D6DAF-3DB9-4E72-A199-CAD930CD53FB}" type="datetimeFigureOut">
               <a:rPr kumimoji="1" lang="ja-JP" altLang="en-US" smtClean="0"/>
-              <a:t>2023/10/26</a:t>
+              <a:t>2023/10/27</a:t>
             </a:fld>
             <a:endParaRPr kumimoji="1" lang="ja-JP" altLang="en-US"/>
           </a:p>
@@ -4541,7 +4541,7 @@
           <a:p>
             <a:fld id="{783D6DAF-3DB9-4E72-A199-CAD930CD53FB}" type="datetimeFigureOut">
               <a:rPr kumimoji="1" lang="ja-JP" altLang="en-US" smtClean="0"/>
-              <a:t>2023/10/26</a:t>
+              <a:t>2023/10/27</a:t>
             </a:fld>
             <a:endParaRPr kumimoji="1" lang="ja-JP" altLang="en-US"/>
           </a:p>
@@ -4654,7 +4654,7 @@
           <a:p>
             <a:fld id="{783D6DAF-3DB9-4E72-A199-CAD930CD53FB}" type="datetimeFigureOut">
               <a:rPr kumimoji="1" lang="ja-JP" altLang="en-US" smtClean="0"/>
-              <a:t>2023/10/26</a:t>
+              <a:t>2023/10/27</a:t>
             </a:fld>
             <a:endParaRPr kumimoji="1" lang="ja-JP" altLang="en-US"/>
           </a:p>
@@ -4997,7 +4997,7 @@
           <a:p>
             <a:fld id="{783D6DAF-3DB9-4E72-A199-CAD930CD53FB}" type="datetimeFigureOut">
               <a:rPr kumimoji="1" lang="ja-JP" altLang="en-US" smtClean="0"/>
-              <a:t>2023/10/26</a:t>
+              <a:t>2023/10/27</a:t>
             </a:fld>
             <a:endParaRPr kumimoji="1" lang="ja-JP" altLang="en-US"/>
           </a:p>
@@ -5285,7 +5285,7 @@
           <a:p>
             <a:fld id="{783D6DAF-3DB9-4E72-A199-CAD930CD53FB}" type="datetimeFigureOut">
               <a:rPr kumimoji="1" lang="ja-JP" altLang="en-US" smtClean="0"/>
-              <a:t>2023/10/26</a:t>
+              <a:t>2023/10/27</a:t>
             </a:fld>
             <a:endParaRPr kumimoji="1" lang="ja-JP" altLang="en-US"/>
           </a:p>
@@ -5558,7 +5558,7 @@
           <a:p>
             <a:fld id="{783D6DAF-3DB9-4E72-A199-CAD930CD53FB}" type="datetimeFigureOut">
               <a:rPr kumimoji="1" lang="ja-JP" altLang="en-US" smtClean="0"/>
-              <a:t>2023/10/26</a:t>
+              <a:t>2023/10/27</a:t>
             </a:fld>
             <a:endParaRPr kumimoji="1" lang="ja-JP" altLang="en-US"/>
           </a:p>
@@ -6152,7 +6152,7 @@
         <p:spPr>
           <a:xfrm>
             <a:off x="793850" y="220961"/>
-            <a:ext cx="3858749" cy="646331"/>
+            <a:ext cx="5250155" cy="646331"/>
           </a:xfrm>
           <a:prstGeom prst="rect">
             <a:avLst/>
@@ -6165,6 +6165,34 @@
           </a:bodyPr>
           <a:lstStyle/>
           <a:p>
+            <a:r>
+              <a:rPr kumimoji="1" lang="ja-JP" altLang="en-US" sz="3600" b="1" dirty="0">
+                <a:effectLst>
+                  <a:outerShdw blurRad="38100" dist="38100" dir="2700000" algn="tl">
+                    <a:srgbClr val="000000">
+                      <a:alpha val="43137"/>
+                    </a:srgbClr>
+                  </a:outerShdw>
+                </a:effectLst>
+                <a:latin typeface="BIZ UDPゴシック" panose="020B0400000000000000" pitchFamily="50" charset="-128"/>
+                <a:ea typeface="BIZ UDPゴシック" panose="020B0400000000000000" pitchFamily="50" charset="-128"/>
+              </a:rPr>
+              <a:t>背景</a:t>
+            </a:r>
+            <a:r>
+              <a:rPr kumimoji="1" lang="en-US" altLang="ja-JP" sz="3600" b="1" dirty="0">
+                <a:effectLst>
+                  <a:outerShdw blurRad="38100" dist="38100" dir="2700000" algn="tl">
+                    <a:srgbClr val="000000">
+                      <a:alpha val="43137"/>
+                    </a:srgbClr>
+                  </a:outerShdw>
+                </a:effectLst>
+                <a:latin typeface="BIZ UDPゴシック" panose="020B0400000000000000" pitchFamily="50" charset="-128"/>
+                <a:ea typeface="BIZ UDPゴシック" panose="020B0400000000000000" pitchFamily="50" charset="-128"/>
+              </a:rPr>
+              <a:t>(</a:t>
+            </a:r>
             <a:r>
               <a:rPr kumimoji="1" lang="ja-JP" altLang="en-US" sz="3600" b="1" dirty="0">
                 <a:effectLst>
@@ -6179,6 +6207,31 @@
               </a:rPr>
               <a:t>重水素濃縮とは？</a:t>
             </a:r>
+            <a:r>
+              <a:rPr kumimoji="1" lang="en-US" altLang="ja-JP" sz="3600" b="1" dirty="0">
+                <a:effectLst>
+                  <a:outerShdw blurRad="38100" dist="38100" dir="2700000" algn="tl">
+                    <a:srgbClr val="000000">
+                      <a:alpha val="43137"/>
+                    </a:srgbClr>
+                  </a:outerShdw>
+                </a:effectLst>
+                <a:latin typeface="BIZ UDPゴシック" panose="020B0400000000000000" pitchFamily="50" charset="-128"/>
+                <a:ea typeface="BIZ UDPゴシック" panose="020B0400000000000000" pitchFamily="50" charset="-128"/>
+              </a:rPr>
+              <a:t>)</a:t>
+            </a:r>
+            <a:endParaRPr kumimoji="1" lang="ja-JP" altLang="en-US" sz="3600" b="1" dirty="0">
+              <a:effectLst>
+                <a:outerShdw blurRad="38100" dist="38100" dir="2700000" algn="tl">
+                  <a:srgbClr val="000000">
+                    <a:alpha val="43137"/>
+                  </a:srgbClr>
+                </a:outerShdw>
+              </a:effectLst>
+              <a:latin typeface="BIZ UDPゴシック" panose="020B0400000000000000" pitchFamily="50" charset="-128"/>
+              <a:ea typeface="BIZ UDPゴシック" panose="020B0400000000000000" pitchFamily="50" charset="-128"/>
+            </a:endParaRPr>
           </a:p>
         </p:txBody>
       </p:sp>
@@ -6360,8 +6413,8 @@
         </p:nvSpPr>
         <p:spPr>
           <a:xfrm>
-            <a:off x="3949510" y="4154749"/>
-            <a:ext cx="4484228" cy="1384995"/>
+            <a:off x="3930369" y="4365784"/>
+            <a:ext cx="4860757" cy="954107"/>
           </a:xfrm>
           <a:prstGeom prst="rect">
             <a:avLst/>
@@ -6400,7 +6453,7 @@
                 <a:latin typeface="BIZ UDゴシック" panose="020B0400000000000000" pitchFamily="49" charset="-128"/>
                 <a:ea typeface="BIZ UDゴシック" panose="020B0400000000000000" pitchFamily="49" charset="-128"/>
               </a:rPr>
-              <a:t>の比率が</a:t>
+              <a:t>の存在度比率が</a:t>
             </a:r>
             <a:r>
               <a:rPr kumimoji="1" lang="en-US" altLang="ja-JP" sz="2800" dirty="0">
@@ -6421,50 +6474,6 @@
                 <a:ea typeface="BIZ UDPゴシック" panose="020B0400000000000000" pitchFamily="50" charset="-128"/>
               </a:rPr>
               <a:t>倍！</a:t>
-            </a:r>
-          </a:p>
-          <a:p>
-            <a:endParaRPr kumimoji="1" lang="ja-JP" altLang="en-US" sz="2800" dirty="0">
-              <a:latin typeface="BIZ UDゴシック" panose="020B0400000000000000" pitchFamily="49" charset="-128"/>
-              <a:ea typeface="BIZ UDゴシック" panose="020B0400000000000000" pitchFamily="49" charset="-128"/>
-            </a:endParaRPr>
-          </a:p>
-        </p:txBody>
-      </p:sp>
-      <p:sp>
-        <p:nvSpPr>
-          <p:cNvPr id="29" name="テキスト ボックス 28">
-            <a:extLst>
-              <a:ext uri="{FF2B5EF4-FFF2-40B4-BE49-F238E27FC236}">
-                <a16:creationId xmlns:a16="http://schemas.microsoft.com/office/drawing/2014/main" id="{55B49F78-0345-8486-49C2-739DB7C86DFD}"/>
-              </a:ext>
-            </a:extLst>
-          </p:cNvPr>
-          <p:cNvSpPr txBox="1"/>
-          <p:nvPr/>
-        </p:nvSpPr>
-        <p:spPr>
-          <a:xfrm>
-            <a:off x="1899979" y="5538466"/>
-            <a:ext cx="8392041" cy="584775"/>
-          </a:xfrm>
-          <a:prstGeom prst="rect">
-            <a:avLst/>
-          </a:prstGeom>
-          <a:noFill/>
-        </p:spPr>
-        <p:txBody>
-          <a:bodyPr wrap="none" rtlCol="0">
-            <a:spAutoFit/>
-          </a:bodyPr>
-          <a:lstStyle/>
-          <a:p>
-            <a:r>
-              <a:rPr kumimoji="1" lang="ja-JP" altLang="en-US" sz="3200" dirty="0">
-                <a:latin typeface="BIZ UDゴシック" panose="020B0400000000000000" pitchFamily="49" charset="-128"/>
-                <a:ea typeface="BIZ UDゴシック" panose="020B0400000000000000" pitchFamily="49" charset="-128"/>
-              </a:rPr>
-              <a:t>重水素濃縮の機構はまだ解明されていない！</a:t>
             </a:r>
           </a:p>
         </p:txBody>
@@ -6581,8 +6590,8 @@
           </a:p>
         </p:txBody>
       </p:sp>
-      <mc:AlternateContent xmlns:mc="http://schemas.openxmlformats.org/markup-compatibility/2006">
-        <mc:Choice xmlns:a14="http://schemas.microsoft.com/office/drawing/2010/main" Requires="a14">
+      <mc:AlternateContent xmlns:mc="http://schemas.openxmlformats.org/markup-compatibility/2006" xmlns:a14="http://schemas.microsoft.com/office/drawing/2010/main">
+        <mc:Choice Requires="a14">
           <p:sp>
             <p:nvSpPr>
               <p:cNvPr id="44" name="テキスト ボックス 43">
@@ -6714,7 +6723,7 @@
             </p:txBody>
           </p:sp>
         </mc:Choice>
-        <mc:Fallback>
+        <mc:Fallback xmlns="">
           <p:sp>
             <p:nvSpPr>
               <p:cNvPr id="44" name="テキスト ボックス 43">
@@ -6821,42 +6830,6 @@
       </p:sp>
       <p:sp>
         <p:nvSpPr>
-          <p:cNvPr id="7" name="テキスト ボックス 6">
-            <a:extLst>
-              <a:ext uri="{FF2B5EF4-FFF2-40B4-BE49-F238E27FC236}">
-                <a16:creationId xmlns:a16="http://schemas.microsoft.com/office/drawing/2014/main" id="{10DEA8DA-7A0A-C094-4252-40618C6C76BE}"/>
-              </a:ext>
-            </a:extLst>
-          </p:cNvPr>
-          <p:cNvSpPr txBox="1"/>
-          <p:nvPr/>
-        </p:nvSpPr>
-        <p:spPr>
-          <a:xfrm>
-            <a:off x="-1460657" y="5228092"/>
-            <a:ext cx="663964" cy="523220"/>
-          </a:xfrm>
-          <a:prstGeom prst="rect">
-            <a:avLst/>
-          </a:prstGeom>
-          <a:noFill/>
-        </p:spPr>
-        <p:txBody>
-          <a:bodyPr wrap="none" rtlCol="0">
-            <a:spAutoFit/>
-          </a:bodyPr>
-          <a:lstStyle/>
-          <a:p>
-            <a:r>
-              <a:rPr kumimoji="1" lang="en-US" altLang="zh-CN" sz="2800" b="0" dirty="0"/>
-              <a:t>[1]</a:t>
-            </a:r>
-            <a:endParaRPr kumimoji="1" lang="ja-JP" altLang="en-US" sz="2800" dirty="0"/>
-          </a:p>
-        </p:txBody>
-      </p:sp>
-      <p:sp>
-        <p:nvSpPr>
           <p:cNvPr id="8" name="テキスト ボックス 7">
             <a:extLst>
               <a:ext uri="{FF2B5EF4-FFF2-40B4-BE49-F238E27FC236}">
@@ -7170,8 +7143,8 @@
           </a:p>
         </p:txBody>
       </p:sp>
-      <mc:AlternateContent xmlns:mc="http://schemas.openxmlformats.org/markup-compatibility/2006">
-        <mc:Choice xmlns:a14="http://schemas.microsoft.com/office/drawing/2010/main" Requires="a14">
+      <mc:AlternateContent xmlns:mc="http://schemas.openxmlformats.org/markup-compatibility/2006" xmlns:a14="http://schemas.microsoft.com/office/drawing/2010/main">
+        <mc:Choice Requires="a14">
           <p:sp>
             <p:nvSpPr>
               <p:cNvPr id="46" name="テキスト ボックス 45">
@@ -7406,7 +7379,7 @@
             </p:txBody>
           </p:sp>
         </mc:Choice>
-        <mc:Fallback>
+        <mc:Fallback xmlns="">
           <p:sp>
             <p:nvSpPr>
               <p:cNvPr id="46" name="テキスト ボックス 45">
@@ -7451,8 +7424,8 @@
           </p:sp>
         </mc:Fallback>
       </mc:AlternateContent>
-      <mc:AlternateContent xmlns:mc="http://schemas.openxmlformats.org/markup-compatibility/2006">
-        <mc:Choice xmlns:a14="http://schemas.microsoft.com/office/drawing/2010/main" Requires="a14">
+      <mc:AlternateContent xmlns:mc="http://schemas.openxmlformats.org/markup-compatibility/2006" xmlns:a14="http://schemas.microsoft.com/office/drawing/2010/main">
+        <mc:Choice Requires="a14">
           <p:sp>
             <p:nvSpPr>
               <p:cNvPr id="54" name="テキスト ボックス 53">
@@ -7611,7 +7584,7 @@
             </p:txBody>
           </p:sp>
         </mc:Choice>
-        <mc:Fallback>
+        <mc:Fallback xmlns="">
           <p:sp>
             <p:nvSpPr>
               <p:cNvPr id="54" name="テキスト ボックス 53">
@@ -7670,7 +7643,7 @@
         </p:nvSpPr>
         <p:spPr>
           <a:xfrm rot="16200000" flipH="1">
-            <a:off x="5748009" y="348278"/>
+            <a:off x="5806696" y="590982"/>
             <a:ext cx="1292935" cy="8392042"/>
           </a:xfrm>
           <a:prstGeom prst="rightBracket">
@@ -7753,6 +7726,184 @@
           </a:p>
         </p:txBody>
       </p:sp>
+      <mc:AlternateContent xmlns:mc="http://schemas.openxmlformats.org/markup-compatibility/2006">
+        <mc:Choice xmlns:a14="http://schemas.microsoft.com/office/drawing/2010/main" Requires="a14">
+          <p:sp>
+            <p:nvSpPr>
+              <p:cNvPr id="9" name="テキスト ボックス 43">
+                <a:extLst>
+                  <a:ext uri="{FF2B5EF4-FFF2-40B4-BE49-F238E27FC236}">
+                    <a16:creationId xmlns:a16="http://schemas.microsoft.com/office/drawing/2014/main" id="{97BB3014-80DB-3E90-3745-0719B26E629F}"/>
+                  </a:ext>
+                </a:extLst>
+              </p:cNvPr>
+              <p:cNvSpPr txBox="1"/>
+              <p:nvPr/>
+            </p:nvSpPr>
+            <p:spPr>
+              <a:xfrm>
+                <a:off x="8521534" y="457242"/>
+                <a:ext cx="2318712" cy="528093"/>
+              </a:xfrm>
+              <a:prstGeom prst="rect">
+                <a:avLst/>
+              </a:prstGeom>
+              <a:noFill/>
+            </p:spPr>
+            <p:txBody>
+              <a:bodyPr wrap="none" rtlCol="0">
+                <a:spAutoFit/>
+              </a:bodyPr>
+              <a:lstStyle/>
+              <a:p>
+                <a:r>
+                  <a:rPr lang="ja-JP" altLang="en-US" sz="2800" dirty="0">
+                    <a:latin typeface="BIZ UDPゴシック" panose="020B0400000000000000" pitchFamily="50" charset="-128"/>
+                    <a:ea typeface="BIZ UDPゴシック" panose="020B0400000000000000" pitchFamily="50" charset="-128"/>
+                  </a:rPr>
+                  <a:t>（</a:t>
+                </a:r>
+                <a:r>
+                  <a:rPr kumimoji="1" lang="en-US" altLang="zh-CN" sz="2800" dirty="0">
+                    <a:solidFill>
+                      <a:srgbClr val="00B050"/>
+                    </a:solidFill>
+                  </a:rPr>
+                  <a:t> </a:t>
+                </a:r>
+                <a14:m>
+                  <m:oMath xmlns:m="http://schemas.openxmlformats.org/officeDocument/2006/math">
+                    <m:r>
+                      <m:rPr>
+                        <m:sty m:val="p"/>
+                      </m:rPr>
+                      <a:rPr kumimoji="1" lang="en-US" altLang="zh-CN" sz="2800" i="0" dirty="0" smtClean="0">
+                        <a:solidFill>
+                          <a:srgbClr val="00B050"/>
+                        </a:solidFill>
+                        <a:latin typeface="Cambria Math" panose="02040503050406030204" pitchFamily="18" charset="0"/>
+                      </a:rPr>
+                      <m:t>D</m:t>
+                    </m:r>
+                    <m:r>
+                      <a:rPr kumimoji="1" lang="en-US" altLang="zh-CN" sz="2800" i="0" dirty="0" smtClean="0">
+                        <a:latin typeface="Cambria Math" panose="02040503050406030204" pitchFamily="18" charset="0"/>
+                      </a:rPr>
+                      <m:t>/</m:t>
+                    </m:r>
+                    <m:r>
+                      <m:rPr>
+                        <m:sty m:val="p"/>
+                      </m:rPr>
+                      <a:rPr kumimoji="1" lang="en-US" altLang="zh-CN" sz="2800" i="0" dirty="0" smtClean="0">
+                        <a:solidFill>
+                          <a:schemeClr val="accent2">
+                            <a:lumMod val="75000"/>
+                          </a:schemeClr>
+                        </a:solidFill>
+                        <a:latin typeface="Cambria Math" panose="02040503050406030204" pitchFamily="18" charset="0"/>
+                      </a:rPr>
+                      <m:t>H</m:t>
+                    </m:r>
+                    <m:r>
+                      <a:rPr kumimoji="1" lang="en-US" altLang="zh-CN" sz="2800" i="1" smtClean="0">
+                        <a:latin typeface="Cambria Math" panose="02040503050406030204" pitchFamily="18" charset="0"/>
+                      </a:rPr>
+                      <m:t>~</m:t>
+                    </m:r>
+                    <m:sSup>
+                      <m:sSupPr>
+                        <m:ctrlPr>
+                          <a:rPr lang="en-US" altLang="zh-CN" sz="2800" i="1">
+                            <a:solidFill>
+                              <a:srgbClr val="FF0000"/>
+                            </a:solidFill>
+                            <a:latin typeface="Cambria Math" panose="02040503050406030204" pitchFamily="18" charset="0"/>
+                          </a:rPr>
+                        </m:ctrlPr>
+                      </m:sSupPr>
+                      <m:e>
+                        <m:r>
+                          <a:rPr lang="en-US" altLang="zh-CN" sz="2800">
+                            <a:solidFill>
+                              <a:srgbClr val="FF0000"/>
+                            </a:solidFill>
+                            <a:latin typeface="Cambria Math" panose="02040503050406030204" pitchFamily="18" charset="0"/>
+                          </a:rPr>
+                          <m:t>10</m:t>
+                        </m:r>
+                      </m:e>
+                      <m:sup>
+                        <m:r>
+                          <a:rPr lang="en-US" altLang="zh-CN" sz="2800">
+                            <a:solidFill>
+                              <a:srgbClr val="FF0000"/>
+                            </a:solidFill>
+                            <a:latin typeface="Cambria Math" panose="02040503050406030204" pitchFamily="18" charset="0"/>
+                          </a:rPr>
+                          <m:t>−5</m:t>
+                        </m:r>
+                      </m:sup>
+                    </m:sSup>
+                  </m:oMath>
+                </a14:m>
+                <a:r>
+                  <a:rPr lang="ja-JP" altLang="en-US" sz="2800" dirty="0">
+                    <a:latin typeface="BIZ UDPゴシック" panose="020B0400000000000000" pitchFamily="50" charset="-128"/>
+                    <a:ea typeface="BIZ UDPゴシック" panose="020B0400000000000000" pitchFamily="50" charset="-128"/>
+                  </a:rPr>
+                  <a:t>）</a:t>
+                </a:r>
+                <a:endParaRPr kumimoji="1" lang="en-US" altLang="zh-CN" sz="2800" b="0" dirty="0"/>
+              </a:p>
+            </p:txBody>
+          </p:sp>
+        </mc:Choice>
+        <mc:Fallback>
+          <p:sp>
+            <p:nvSpPr>
+              <p:cNvPr id="9" name="テキスト ボックス 43">
+                <a:extLst>
+                  <a:ext uri="{FF2B5EF4-FFF2-40B4-BE49-F238E27FC236}">
+                    <a16:creationId xmlns:a16="http://schemas.microsoft.com/office/drawing/2014/main" id="{97BB3014-80DB-3E90-3745-0719B26E629F}"/>
+                  </a:ext>
+                </a:extLst>
+              </p:cNvPr>
+              <p:cNvSpPr txBox="1">
+                <a:spLocks noRot="1" noChangeAspect="1" noMove="1" noResize="1" noEditPoints="1" noAdjustHandles="1" noChangeArrowheads="1" noChangeShapeType="1" noTextEdit="1"/>
+              </p:cNvSpPr>
+              <p:nvPr/>
+            </p:nvSpPr>
+            <p:spPr>
+              <a:xfrm>
+                <a:off x="8521534" y="457242"/>
+                <a:ext cx="2318712" cy="528093"/>
+              </a:xfrm>
+              <a:prstGeom prst="rect">
+                <a:avLst/>
+              </a:prstGeom>
+              <a:blipFill>
+                <a:blip r:embed="rId6"/>
+                <a:stretch>
+                  <a:fillRect l="-5526" t="-18391" r="-4474" b="-22989"/>
+                </a:stretch>
+              </a:blipFill>
+            </p:spPr>
+            <p:txBody>
+              <a:bodyPr/>
+              <a:lstStyle/>
+              <a:p>
+                <a:r>
+                  <a:rPr lang="zh-CN" altLang="en-US">
+                    <a:noFill/>
+                  </a:rPr>
+                  <a:t> </a:t>
+                </a:r>
+              </a:p>
+            </p:txBody>
+          </p:sp>
+        </mc:Fallback>
+      </mc:AlternateContent>
     </p:spTree>
     <p:extLst>
       <p:ext uri="{BB962C8B-B14F-4D97-AF65-F5344CB8AC3E}">
@@ -7833,8 +7984,8 @@
         </p:nvSpPr>
         <p:spPr>
           <a:xfrm>
-            <a:off x="3868825" y="1906141"/>
-            <a:ext cx="7995843" cy="3340429"/>
+            <a:off x="3934185" y="2136963"/>
+            <a:ext cx="7995843" cy="2806536"/>
           </a:xfrm>
           <a:prstGeom prst="cloud">
             <a:avLst/>
@@ -9376,6 +9527,82 @@
           </p:sp>
         </mc:Fallback>
       </mc:AlternateContent>
+      <p:sp>
+        <p:nvSpPr>
+          <p:cNvPr id="5" name="テキスト ボックス 28">
+            <a:extLst>
+              <a:ext uri="{FF2B5EF4-FFF2-40B4-BE49-F238E27FC236}">
+                <a16:creationId xmlns:a16="http://schemas.microsoft.com/office/drawing/2014/main" id="{2719EECA-E609-5B43-9A62-72A21AEE975E}"/>
+              </a:ext>
+            </a:extLst>
+          </p:cNvPr>
+          <p:cNvSpPr txBox="1"/>
+          <p:nvPr/>
+        </p:nvSpPr>
+        <p:spPr>
+          <a:xfrm>
+            <a:off x="3113556" y="4319171"/>
+            <a:ext cx="8392041" cy="584775"/>
+          </a:xfrm>
+          <a:prstGeom prst="rect">
+            <a:avLst/>
+          </a:prstGeom>
+          <a:noFill/>
+        </p:spPr>
+        <p:txBody>
+          <a:bodyPr wrap="none" rtlCol="0">
+            <a:spAutoFit/>
+          </a:bodyPr>
+          <a:lstStyle/>
+          <a:p>
+            <a:r>
+              <a:rPr kumimoji="1" lang="ja-JP" altLang="en-US" sz="3200" dirty="0">
+                <a:latin typeface="BIZ UDゴシック" panose="020B0400000000000000" pitchFamily="49" charset="-128"/>
+                <a:ea typeface="BIZ UDゴシック" panose="020B0400000000000000" pitchFamily="49" charset="-128"/>
+              </a:rPr>
+              <a:t>重水素濃縮の機構はまだ解明されていない！</a:t>
+            </a:r>
+          </a:p>
+        </p:txBody>
+      </p:sp>
+      <p:sp>
+        <p:nvSpPr>
+          <p:cNvPr id="6" name="テキスト ボックス 28">
+            <a:extLst>
+              <a:ext uri="{FF2B5EF4-FFF2-40B4-BE49-F238E27FC236}">
+                <a16:creationId xmlns:a16="http://schemas.microsoft.com/office/drawing/2014/main" id="{DECEB867-B421-BCC1-560A-FFF9B37FA0A6}"/>
+              </a:ext>
+            </a:extLst>
+          </p:cNvPr>
+          <p:cNvSpPr txBox="1"/>
+          <p:nvPr/>
+        </p:nvSpPr>
+        <p:spPr>
+          <a:xfrm>
+            <a:off x="-2889754" y="4647861"/>
+            <a:ext cx="3057247" cy="584775"/>
+          </a:xfrm>
+          <a:prstGeom prst="rect">
+            <a:avLst/>
+          </a:prstGeom>
+          <a:noFill/>
+        </p:spPr>
+        <p:txBody>
+          <a:bodyPr wrap="none" rtlCol="0">
+            <a:spAutoFit/>
+          </a:bodyPr>
+          <a:lstStyle/>
+          <a:p>
+            <a:r>
+              <a:rPr kumimoji="1" lang="ja-JP" altLang="en-US" sz="3200" dirty="0">
+                <a:latin typeface="BIZ UDゴシック" panose="020B0400000000000000" pitchFamily="49" charset="-128"/>
+                <a:ea typeface="BIZ UDゴシック" panose="020B0400000000000000" pitchFamily="49" charset="-128"/>
+              </a:rPr>
+              <a:t>計算との繋がり</a:t>
+            </a:r>
+          </a:p>
+        </p:txBody>
+      </p:sp>
     </p:spTree>
     <p:extLst>
       <p:ext uri="{BB962C8B-B14F-4D97-AF65-F5344CB8AC3E}">
